--- a/images/按钮BUTTON.pptx
+++ b/images/按钮BUTTON.pptx
@@ -260,7 +260,7 @@
           <a:p>
             <a:fld id="{284A7B5E-02A5-4EC8-B12A-0B86AB4D9403}" type="datetimeFigureOut">
               <a:rPr lang="zh-CN" altLang="en-US" smtClean="0"/>
-              <a:t>2023/7/1</a:t>
+              <a:t>2023/8/11</a:t>
             </a:fld>
             <a:endParaRPr lang="zh-CN" altLang="en-US"/>
           </a:p>
@@ -458,7 +458,7 @@
           <a:p>
             <a:fld id="{284A7B5E-02A5-4EC8-B12A-0B86AB4D9403}" type="datetimeFigureOut">
               <a:rPr lang="zh-CN" altLang="en-US" smtClean="0"/>
-              <a:t>2023/7/1</a:t>
+              <a:t>2023/8/11</a:t>
             </a:fld>
             <a:endParaRPr lang="zh-CN" altLang="en-US"/>
           </a:p>
@@ -666,7 +666,7 @@
           <a:p>
             <a:fld id="{284A7B5E-02A5-4EC8-B12A-0B86AB4D9403}" type="datetimeFigureOut">
               <a:rPr lang="zh-CN" altLang="en-US" smtClean="0"/>
-              <a:t>2023/7/1</a:t>
+              <a:t>2023/8/11</a:t>
             </a:fld>
             <a:endParaRPr lang="zh-CN" altLang="en-US"/>
           </a:p>
@@ -864,7 +864,7 @@
           <a:p>
             <a:fld id="{284A7B5E-02A5-4EC8-B12A-0B86AB4D9403}" type="datetimeFigureOut">
               <a:rPr lang="zh-CN" altLang="en-US" smtClean="0"/>
-              <a:t>2023/7/1</a:t>
+              <a:t>2023/8/11</a:t>
             </a:fld>
             <a:endParaRPr lang="zh-CN" altLang="en-US"/>
           </a:p>
@@ -1139,7 +1139,7 @@
           <a:p>
             <a:fld id="{284A7B5E-02A5-4EC8-B12A-0B86AB4D9403}" type="datetimeFigureOut">
               <a:rPr lang="zh-CN" altLang="en-US" smtClean="0"/>
-              <a:t>2023/7/1</a:t>
+              <a:t>2023/8/11</a:t>
             </a:fld>
             <a:endParaRPr lang="zh-CN" altLang="en-US"/>
           </a:p>
@@ -1404,7 +1404,7 @@
           <a:p>
             <a:fld id="{284A7B5E-02A5-4EC8-B12A-0B86AB4D9403}" type="datetimeFigureOut">
               <a:rPr lang="zh-CN" altLang="en-US" smtClean="0"/>
-              <a:t>2023/7/1</a:t>
+              <a:t>2023/8/11</a:t>
             </a:fld>
             <a:endParaRPr lang="zh-CN" altLang="en-US"/>
           </a:p>
@@ -1816,7 +1816,7 @@
           <a:p>
             <a:fld id="{284A7B5E-02A5-4EC8-B12A-0B86AB4D9403}" type="datetimeFigureOut">
               <a:rPr lang="zh-CN" altLang="en-US" smtClean="0"/>
-              <a:t>2023/7/1</a:t>
+              <a:t>2023/8/11</a:t>
             </a:fld>
             <a:endParaRPr lang="zh-CN" altLang="en-US"/>
           </a:p>
@@ -1957,7 +1957,7 @@
           <a:p>
             <a:fld id="{284A7B5E-02A5-4EC8-B12A-0B86AB4D9403}" type="datetimeFigureOut">
               <a:rPr lang="zh-CN" altLang="en-US" smtClean="0"/>
-              <a:t>2023/7/1</a:t>
+              <a:t>2023/8/11</a:t>
             </a:fld>
             <a:endParaRPr lang="zh-CN" altLang="en-US"/>
           </a:p>
@@ -2070,7 +2070,7 @@
           <a:p>
             <a:fld id="{284A7B5E-02A5-4EC8-B12A-0B86AB4D9403}" type="datetimeFigureOut">
               <a:rPr lang="zh-CN" altLang="en-US" smtClean="0"/>
-              <a:t>2023/7/1</a:t>
+              <a:t>2023/8/11</a:t>
             </a:fld>
             <a:endParaRPr lang="zh-CN" altLang="en-US"/>
           </a:p>
@@ -2381,7 +2381,7 @@
           <a:p>
             <a:fld id="{284A7B5E-02A5-4EC8-B12A-0B86AB4D9403}" type="datetimeFigureOut">
               <a:rPr lang="zh-CN" altLang="en-US" smtClean="0"/>
-              <a:t>2023/7/1</a:t>
+              <a:t>2023/8/11</a:t>
             </a:fld>
             <a:endParaRPr lang="zh-CN" altLang="en-US"/>
           </a:p>
@@ -2669,7 +2669,7 @@
           <a:p>
             <a:fld id="{284A7B5E-02A5-4EC8-B12A-0B86AB4D9403}" type="datetimeFigureOut">
               <a:rPr lang="zh-CN" altLang="en-US" smtClean="0"/>
-              <a:t>2023/7/1</a:t>
+              <a:t>2023/8/11</a:t>
             </a:fld>
             <a:endParaRPr lang="zh-CN" altLang="en-US"/>
           </a:p>
@@ -2910,7 +2910,7 @@
           <a:p>
             <a:fld id="{284A7B5E-02A5-4EC8-B12A-0B86AB4D9403}" type="datetimeFigureOut">
               <a:rPr lang="zh-CN" altLang="en-US" smtClean="0"/>
-              <a:t>2023/7/1</a:t>
+              <a:t>2023/8/11</a:t>
             </a:fld>
             <a:endParaRPr lang="zh-CN" altLang="en-US"/>
           </a:p>
@@ -4256,6 +4256,150 @@
           </p:txBody>
         </p:sp>
       </p:grpSp>
+      <p:pic>
+        <p:nvPicPr>
+          <p:cNvPr id="12" name="图片 11">
+            <a:extLst>
+              <a:ext uri="{FF2B5EF4-FFF2-40B4-BE49-F238E27FC236}">
+                <a16:creationId xmlns:a16="http://schemas.microsoft.com/office/drawing/2014/main" id="{A8277E46-1117-C938-2B54-12A561E712CC}"/>
+              </a:ext>
+            </a:extLst>
+          </p:cNvPr>
+          <p:cNvPicPr>
+            <a:picLocks noChangeAspect="1"/>
+          </p:cNvPicPr>
+          <p:nvPr/>
+        </p:nvPicPr>
+        <p:blipFill>
+          <a:blip r:embed="rId2">
+            <a:extLst>
+              <a:ext uri="{28A0092B-C50C-407E-A947-70E740481C1C}">
+                <a14:useLocalDpi xmlns:a14="http://schemas.microsoft.com/office/drawing/2010/main" val="0"/>
+              </a:ext>
+            </a:extLst>
+          </a:blip>
+          <a:stretch>
+            <a:fillRect/>
+          </a:stretch>
+        </p:blipFill>
+        <p:spPr>
+          <a:xfrm>
+            <a:off x="5416902" y="2505930"/>
+            <a:ext cx="2725148" cy="1298561"/>
+          </a:xfrm>
+          <a:prstGeom prst="rect">
+            <a:avLst/>
+          </a:prstGeom>
+        </p:spPr>
+      </p:pic>
+      <p:pic>
+        <p:nvPicPr>
+          <p:cNvPr id="19" name="图片 18">
+            <a:extLst>
+              <a:ext uri="{FF2B5EF4-FFF2-40B4-BE49-F238E27FC236}">
+                <a16:creationId xmlns:a16="http://schemas.microsoft.com/office/drawing/2014/main" id="{F2099D72-A353-C70E-24A0-F12F05034EC9}"/>
+              </a:ext>
+            </a:extLst>
+          </p:cNvPr>
+          <p:cNvPicPr>
+            <a:picLocks noChangeAspect="1"/>
+          </p:cNvPicPr>
+          <p:nvPr/>
+        </p:nvPicPr>
+        <p:blipFill>
+          <a:blip r:embed="rId3">
+            <a:extLst>
+              <a:ext uri="{28A0092B-C50C-407E-A947-70E740481C1C}">
+                <a14:useLocalDpi xmlns:a14="http://schemas.microsoft.com/office/drawing/2010/main" val="0"/>
+              </a:ext>
+            </a:extLst>
+          </a:blip>
+          <a:stretch>
+            <a:fillRect/>
+          </a:stretch>
+        </p:blipFill>
+        <p:spPr>
+          <a:xfrm>
+            <a:off x="-29690" y="3712077"/>
+            <a:ext cx="2731245" cy="1298561"/>
+          </a:xfrm>
+          <a:prstGeom prst="rect">
+            <a:avLst/>
+          </a:prstGeom>
+        </p:spPr>
+      </p:pic>
+      <p:pic>
+        <p:nvPicPr>
+          <p:cNvPr id="23" name="图片 22">
+            <a:extLst>
+              <a:ext uri="{FF2B5EF4-FFF2-40B4-BE49-F238E27FC236}">
+                <a16:creationId xmlns:a16="http://schemas.microsoft.com/office/drawing/2014/main" id="{DA24F221-91DE-87DC-8CE8-C1CF08E37885}"/>
+              </a:ext>
+            </a:extLst>
+          </p:cNvPr>
+          <p:cNvPicPr>
+            <a:picLocks noChangeAspect="1"/>
+          </p:cNvPicPr>
+          <p:nvPr/>
+        </p:nvPicPr>
+        <p:blipFill>
+          <a:blip r:embed="rId4">
+            <a:extLst>
+              <a:ext uri="{28A0092B-C50C-407E-A947-70E740481C1C}">
+                <a14:useLocalDpi xmlns:a14="http://schemas.microsoft.com/office/drawing/2010/main" val="0"/>
+              </a:ext>
+            </a:extLst>
+          </a:blip>
+          <a:stretch>
+            <a:fillRect/>
+          </a:stretch>
+        </p:blipFill>
+        <p:spPr>
+          <a:xfrm>
+            <a:off x="2697913" y="3732455"/>
+            <a:ext cx="2725148" cy="1298561"/>
+          </a:xfrm>
+          <a:prstGeom prst="rect">
+            <a:avLst/>
+          </a:prstGeom>
+        </p:spPr>
+      </p:pic>
+      <p:pic>
+        <p:nvPicPr>
+          <p:cNvPr id="30" name="图片 29">
+            <a:extLst>
+              <a:ext uri="{FF2B5EF4-FFF2-40B4-BE49-F238E27FC236}">
+                <a16:creationId xmlns:a16="http://schemas.microsoft.com/office/drawing/2014/main" id="{40566AB7-976C-7251-736D-42829BC04CDE}"/>
+              </a:ext>
+            </a:extLst>
+          </p:cNvPr>
+          <p:cNvPicPr>
+            <a:picLocks noChangeAspect="1"/>
+          </p:cNvPicPr>
+          <p:nvPr/>
+        </p:nvPicPr>
+        <p:blipFill>
+          <a:blip r:embed="rId5">
+            <a:extLst>
+              <a:ext uri="{28A0092B-C50C-407E-A947-70E740481C1C}">
+                <a14:useLocalDpi xmlns:a14="http://schemas.microsoft.com/office/drawing/2010/main" val="0"/>
+              </a:ext>
+            </a:extLst>
+          </a:blip>
+          <a:stretch>
+            <a:fillRect/>
+          </a:stretch>
+        </p:blipFill>
+        <p:spPr>
+          <a:xfrm>
+            <a:off x="5413853" y="3735645"/>
+            <a:ext cx="2731245" cy="1298561"/>
+          </a:xfrm>
+          <a:prstGeom prst="rect">
+            <a:avLst/>
+          </a:prstGeom>
+        </p:spPr>
+      </p:pic>
     </p:spTree>
     <p:extLst>
       <p:ext uri="{BB962C8B-B14F-4D97-AF65-F5344CB8AC3E}">
@@ -5169,6 +5313,150 @@
           </a:p>
         </p:txBody>
       </p:sp>
+      <p:pic>
+        <p:nvPicPr>
+          <p:cNvPr id="13" name="图片 12">
+            <a:extLst>
+              <a:ext uri="{FF2B5EF4-FFF2-40B4-BE49-F238E27FC236}">
+                <a16:creationId xmlns:a16="http://schemas.microsoft.com/office/drawing/2014/main" id="{F008F719-2ABE-02B5-5A09-7EBE25154F44}"/>
+              </a:ext>
+            </a:extLst>
+          </p:cNvPr>
+          <p:cNvPicPr>
+            <a:picLocks noChangeAspect="1"/>
+          </p:cNvPicPr>
+          <p:nvPr/>
+        </p:nvPicPr>
+        <p:blipFill>
+          <a:blip r:embed="rId2">
+            <a:extLst>
+              <a:ext uri="{28A0092B-C50C-407E-A947-70E740481C1C}">
+                <a14:useLocalDpi xmlns:a14="http://schemas.microsoft.com/office/drawing/2010/main" val="0"/>
+              </a:ext>
+            </a:extLst>
+          </a:blip>
+          <a:stretch>
+            <a:fillRect/>
+          </a:stretch>
+        </p:blipFill>
+        <p:spPr>
+          <a:xfrm>
+            <a:off x="5422468" y="2509748"/>
+            <a:ext cx="2725148" cy="1298561"/>
+          </a:xfrm>
+          <a:prstGeom prst="rect">
+            <a:avLst/>
+          </a:prstGeom>
+        </p:spPr>
+      </p:pic>
+      <p:pic>
+        <p:nvPicPr>
+          <p:cNvPr id="14" name="图片 13">
+            <a:extLst>
+              <a:ext uri="{FF2B5EF4-FFF2-40B4-BE49-F238E27FC236}">
+                <a16:creationId xmlns:a16="http://schemas.microsoft.com/office/drawing/2014/main" id="{D1BBF9DB-CD1E-4E43-1F92-39BA1DB97E19}"/>
+              </a:ext>
+            </a:extLst>
+          </p:cNvPr>
+          <p:cNvPicPr>
+            <a:picLocks noChangeAspect="1"/>
+          </p:cNvPicPr>
+          <p:nvPr/>
+        </p:nvPicPr>
+        <p:blipFill>
+          <a:blip r:embed="rId3">
+            <a:extLst>
+              <a:ext uri="{28A0092B-C50C-407E-A947-70E740481C1C}">
+                <a14:useLocalDpi xmlns:a14="http://schemas.microsoft.com/office/drawing/2010/main" val="0"/>
+              </a:ext>
+            </a:extLst>
+          </a:blip>
+          <a:stretch>
+            <a:fillRect/>
+          </a:stretch>
+        </p:blipFill>
+        <p:spPr>
+          <a:xfrm>
+            <a:off x="-10689" y="3733790"/>
+            <a:ext cx="2731245" cy="1298561"/>
+          </a:xfrm>
+          <a:prstGeom prst="rect">
+            <a:avLst/>
+          </a:prstGeom>
+        </p:spPr>
+      </p:pic>
+      <p:pic>
+        <p:nvPicPr>
+          <p:cNvPr id="19" name="图片 18">
+            <a:extLst>
+              <a:ext uri="{FF2B5EF4-FFF2-40B4-BE49-F238E27FC236}">
+                <a16:creationId xmlns:a16="http://schemas.microsoft.com/office/drawing/2014/main" id="{B0CD1E28-7F85-AD38-7266-7BC0D5598B22}"/>
+              </a:ext>
+            </a:extLst>
+          </p:cNvPr>
+          <p:cNvPicPr>
+            <a:picLocks noChangeAspect="1"/>
+          </p:cNvPicPr>
+          <p:nvPr/>
+        </p:nvPicPr>
+        <p:blipFill>
+          <a:blip r:embed="rId4">
+            <a:extLst>
+              <a:ext uri="{28A0092B-C50C-407E-A947-70E740481C1C}">
+                <a14:useLocalDpi xmlns:a14="http://schemas.microsoft.com/office/drawing/2010/main" val="0"/>
+              </a:ext>
+            </a:extLst>
+          </a:blip>
+          <a:stretch>
+            <a:fillRect/>
+          </a:stretch>
+        </p:blipFill>
+        <p:spPr>
+          <a:xfrm>
+            <a:off x="2693253" y="3754886"/>
+            <a:ext cx="2725148" cy="1298561"/>
+          </a:xfrm>
+          <a:prstGeom prst="rect">
+            <a:avLst/>
+          </a:prstGeom>
+        </p:spPr>
+      </p:pic>
+      <p:pic>
+        <p:nvPicPr>
+          <p:cNvPr id="20" name="图片 19">
+            <a:extLst>
+              <a:ext uri="{FF2B5EF4-FFF2-40B4-BE49-F238E27FC236}">
+                <a16:creationId xmlns:a16="http://schemas.microsoft.com/office/drawing/2014/main" id="{EB56323D-7A31-6CA4-7C0E-DE80856B3E8F}"/>
+              </a:ext>
+            </a:extLst>
+          </p:cNvPr>
+          <p:cNvPicPr>
+            <a:picLocks noChangeAspect="1"/>
+          </p:cNvPicPr>
+          <p:nvPr/>
+        </p:nvPicPr>
+        <p:blipFill>
+          <a:blip r:embed="rId5">
+            <a:extLst>
+              <a:ext uri="{28A0092B-C50C-407E-A947-70E740481C1C}">
+                <a14:useLocalDpi xmlns:a14="http://schemas.microsoft.com/office/drawing/2010/main" val="0"/>
+              </a:ext>
+            </a:extLst>
+          </a:blip>
+          <a:stretch>
+            <a:fillRect/>
+          </a:stretch>
+        </p:blipFill>
+        <p:spPr>
+          <a:xfrm>
+            <a:off x="5430602" y="3754887"/>
+            <a:ext cx="2731245" cy="1298561"/>
+          </a:xfrm>
+          <a:prstGeom prst="rect">
+            <a:avLst/>
+          </a:prstGeom>
+        </p:spPr>
+      </p:pic>
     </p:spTree>
     <p:extLst>
       <p:ext uri="{BB962C8B-B14F-4D97-AF65-F5344CB8AC3E}">

--- a/images/按钮BUTTON.pptx
+++ b/images/按钮BUTTON.pptx
@@ -4400,6 +4400,101 @@
           </a:prstGeom>
         </p:spPr>
       </p:pic>
+      <p:sp>
+        <p:nvSpPr>
+          <p:cNvPr id="14" name="文本框 13">
+            <a:extLst>
+              <a:ext uri="{FF2B5EF4-FFF2-40B4-BE49-F238E27FC236}">
+                <a16:creationId xmlns:a16="http://schemas.microsoft.com/office/drawing/2014/main" id="{E46847BD-98F7-E632-07A9-5231B2D174BE}"/>
+              </a:ext>
+            </a:extLst>
+          </p:cNvPr>
+          <p:cNvSpPr txBox="1"/>
+          <p:nvPr/>
+        </p:nvSpPr>
+        <p:spPr>
+          <a:xfrm>
+            <a:off x="7897406" y="3278084"/>
+            <a:ext cx="1670280" cy="2985433"/>
+          </a:xfrm>
+          <a:prstGeom prst="rect">
+            <a:avLst/>
+          </a:prstGeom>
+          <a:noFill/>
+        </p:spPr>
+        <p:txBody>
+          <a:bodyPr wrap="square">
+            <a:spAutoFit/>
+          </a:bodyPr>
+          <a:lstStyle/>
+          <a:p>
+            <a:pPr algn="ctr"/>
+            <a:r>
+              <a:rPr lang="zh-CN" altLang="en-US" sz="8000" b="1" i="0" dirty="0">
+                <a:solidFill>
+                  <a:srgbClr val="0000FF"/>
+                </a:solidFill>
+                <a:effectLst/>
+                <a:latin typeface="华文彩云" panose="02010800040101010101" pitchFamily="2" charset="-122"/>
+                <a:ea typeface="华文彩云" panose="02010800040101010101" pitchFamily="2" charset="-122"/>
+              </a:rPr>
+              <a:t>帅</a:t>
+            </a:r>
+            <a:endParaRPr lang="en-US" altLang="zh-CN" sz="8000" b="1" i="0" dirty="0">
+              <a:solidFill>
+                <a:srgbClr val="0000FF"/>
+              </a:solidFill>
+              <a:effectLst/>
+              <a:latin typeface="华文彩云" panose="02010800040101010101" pitchFamily="2" charset="-122"/>
+              <a:ea typeface="华文彩云" panose="02010800040101010101" pitchFamily="2" charset="-122"/>
+            </a:endParaRPr>
+          </a:p>
+          <a:p>
+            <a:pPr algn="ctr"/>
+            <a:r>
+              <a:rPr lang="zh-CN" altLang="en-US" sz="8000" b="1" i="0" dirty="0">
+                <a:solidFill>
+                  <a:srgbClr val="0000FF"/>
+                </a:solidFill>
+                <a:effectLst/>
+                <a:latin typeface="华文彩云" panose="02010800040101010101" pitchFamily="2" charset="-122"/>
+                <a:ea typeface="华文彩云" panose="02010800040101010101" pitchFamily="2" charset="-122"/>
+              </a:rPr>
+              <a:t>比</a:t>
+            </a:r>
+            <a:endParaRPr lang="en-US" altLang="zh-CN" sz="8000" b="1" i="0" dirty="0">
+              <a:solidFill>
+                <a:srgbClr val="0000FF"/>
+              </a:solidFill>
+              <a:effectLst/>
+              <a:latin typeface="华文彩云" panose="02010800040101010101" pitchFamily="2" charset="-122"/>
+              <a:ea typeface="华文彩云" panose="02010800040101010101" pitchFamily="2" charset="-122"/>
+            </a:endParaRPr>
+          </a:p>
+          <a:p>
+            <a:pPr algn="ctr"/>
+            <a:r>
+              <a:rPr lang="zh-CN" altLang="en-US" sz="2800" b="1" i="0" dirty="0">
+                <a:solidFill>
+                  <a:srgbClr val="FF0000"/>
+                </a:solidFill>
+                <a:effectLst/>
+                <a:latin typeface="幼圆" panose="02010509060101010101" pitchFamily="49" charset="-122"/>
+                <a:ea typeface="幼圆" panose="02010509060101010101" pitchFamily="49" charset="-122"/>
+              </a:rPr>
+              <a:t>游戏</a:t>
+            </a:r>
+            <a:endParaRPr lang="zh-CN" altLang="en-US" sz="700" b="1" i="0" dirty="0">
+              <a:solidFill>
+                <a:srgbClr val="FF0000"/>
+              </a:solidFill>
+              <a:effectLst/>
+              <a:latin typeface="幼圆" panose="02010509060101010101" pitchFamily="49" charset="-122"/>
+              <a:ea typeface="幼圆" panose="02010509060101010101" pitchFamily="49" charset="-122"/>
+            </a:endParaRPr>
+          </a:p>
+        </p:txBody>
+      </p:sp>
     </p:spTree>
     <p:extLst>
       <p:ext uri="{BB962C8B-B14F-4D97-AF65-F5344CB8AC3E}">
@@ -5457,6 +5552,101 @@
           </a:prstGeom>
         </p:spPr>
       </p:pic>
+      <p:sp>
+        <p:nvSpPr>
+          <p:cNvPr id="21" name="文本框 20">
+            <a:extLst>
+              <a:ext uri="{FF2B5EF4-FFF2-40B4-BE49-F238E27FC236}">
+                <a16:creationId xmlns:a16="http://schemas.microsoft.com/office/drawing/2014/main" id="{3EC0BC98-A8DD-8951-E889-096541BF6644}"/>
+              </a:ext>
+            </a:extLst>
+          </p:cNvPr>
+          <p:cNvSpPr txBox="1"/>
+          <p:nvPr/>
+        </p:nvSpPr>
+        <p:spPr>
+          <a:xfrm>
+            <a:off x="7897406" y="3278084"/>
+            <a:ext cx="1670280" cy="2985433"/>
+          </a:xfrm>
+          <a:prstGeom prst="rect">
+            <a:avLst/>
+          </a:prstGeom>
+          <a:noFill/>
+        </p:spPr>
+        <p:txBody>
+          <a:bodyPr wrap="square">
+            <a:spAutoFit/>
+          </a:bodyPr>
+          <a:lstStyle/>
+          <a:p>
+            <a:pPr algn="ctr"/>
+            <a:r>
+              <a:rPr lang="zh-CN" altLang="en-US" sz="8000" b="1" i="0" dirty="0">
+                <a:solidFill>
+                  <a:srgbClr val="0000FF"/>
+                </a:solidFill>
+                <a:effectLst/>
+                <a:latin typeface="华文彩云" panose="02010800040101010101" pitchFamily="2" charset="-122"/>
+                <a:ea typeface="华文彩云" panose="02010800040101010101" pitchFamily="2" charset="-122"/>
+              </a:rPr>
+              <a:t>帅</a:t>
+            </a:r>
+            <a:endParaRPr lang="en-US" altLang="zh-CN" sz="8000" b="1" i="0" dirty="0">
+              <a:solidFill>
+                <a:srgbClr val="0000FF"/>
+              </a:solidFill>
+              <a:effectLst/>
+              <a:latin typeface="华文彩云" panose="02010800040101010101" pitchFamily="2" charset="-122"/>
+              <a:ea typeface="华文彩云" panose="02010800040101010101" pitchFamily="2" charset="-122"/>
+            </a:endParaRPr>
+          </a:p>
+          <a:p>
+            <a:pPr algn="ctr"/>
+            <a:r>
+              <a:rPr lang="zh-CN" altLang="en-US" sz="8000" b="1" i="0" dirty="0">
+                <a:solidFill>
+                  <a:srgbClr val="0000FF"/>
+                </a:solidFill>
+                <a:effectLst/>
+                <a:latin typeface="华文彩云" panose="02010800040101010101" pitchFamily="2" charset="-122"/>
+                <a:ea typeface="华文彩云" panose="02010800040101010101" pitchFamily="2" charset="-122"/>
+              </a:rPr>
+              <a:t>比</a:t>
+            </a:r>
+            <a:endParaRPr lang="en-US" altLang="zh-CN" sz="8000" b="1" i="0" dirty="0">
+              <a:solidFill>
+                <a:srgbClr val="0000FF"/>
+              </a:solidFill>
+              <a:effectLst/>
+              <a:latin typeface="华文彩云" panose="02010800040101010101" pitchFamily="2" charset="-122"/>
+              <a:ea typeface="华文彩云" panose="02010800040101010101" pitchFamily="2" charset="-122"/>
+            </a:endParaRPr>
+          </a:p>
+          <a:p>
+            <a:pPr algn="ctr"/>
+            <a:r>
+              <a:rPr lang="zh-CN" altLang="en-US" sz="2800" b="1" i="0" dirty="0">
+                <a:solidFill>
+                  <a:srgbClr val="FF0000"/>
+                </a:solidFill>
+                <a:effectLst/>
+                <a:latin typeface="幼圆" panose="02010509060101010101" pitchFamily="49" charset="-122"/>
+                <a:ea typeface="幼圆" panose="02010509060101010101" pitchFamily="49" charset="-122"/>
+              </a:rPr>
+              <a:t>游戏</a:t>
+            </a:r>
+            <a:endParaRPr lang="zh-CN" altLang="en-US" sz="700" b="1" i="0" dirty="0">
+              <a:solidFill>
+                <a:srgbClr val="FF0000"/>
+              </a:solidFill>
+              <a:effectLst/>
+              <a:latin typeface="幼圆" panose="02010509060101010101" pitchFamily="49" charset="-122"/>
+              <a:ea typeface="幼圆" panose="02010509060101010101" pitchFamily="49" charset="-122"/>
+            </a:endParaRPr>
+          </a:p>
+        </p:txBody>
+      </p:sp>
     </p:spTree>
     <p:extLst>
       <p:ext uri="{BB962C8B-B14F-4D97-AF65-F5344CB8AC3E}">

--- a/images/按钮BUTTON.pptx
+++ b/images/按钮BUTTON.pptx
@@ -260,7 +260,7 @@
           <a:p>
             <a:fld id="{284A7B5E-02A5-4EC8-B12A-0B86AB4D9403}" type="datetimeFigureOut">
               <a:rPr lang="zh-CN" altLang="en-US" smtClean="0"/>
-              <a:t>2023/8/11</a:t>
+              <a:t>2023/9/29</a:t>
             </a:fld>
             <a:endParaRPr lang="zh-CN" altLang="en-US"/>
           </a:p>
@@ -458,7 +458,7 @@
           <a:p>
             <a:fld id="{284A7B5E-02A5-4EC8-B12A-0B86AB4D9403}" type="datetimeFigureOut">
               <a:rPr lang="zh-CN" altLang="en-US" smtClean="0"/>
-              <a:t>2023/8/11</a:t>
+              <a:t>2023/9/29</a:t>
             </a:fld>
             <a:endParaRPr lang="zh-CN" altLang="en-US"/>
           </a:p>
@@ -666,7 +666,7 @@
           <a:p>
             <a:fld id="{284A7B5E-02A5-4EC8-B12A-0B86AB4D9403}" type="datetimeFigureOut">
               <a:rPr lang="zh-CN" altLang="en-US" smtClean="0"/>
-              <a:t>2023/8/11</a:t>
+              <a:t>2023/9/29</a:t>
             </a:fld>
             <a:endParaRPr lang="zh-CN" altLang="en-US"/>
           </a:p>
@@ -864,7 +864,7 @@
           <a:p>
             <a:fld id="{284A7B5E-02A5-4EC8-B12A-0B86AB4D9403}" type="datetimeFigureOut">
               <a:rPr lang="zh-CN" altLang="en-US" smtClean="0"/>
-              <a:t>2023/8/11</a:t>
+              <a:t>2023/9/29</a:t>
             </a:fld>
             <a:endParaRPr lang="zh-CN" altLang="en-US"/>
           </a:p>
@@ -1139,7 +1139,7 @@
           <a:p>
             <a:fld id="{284A7B5E-02A5-4EC8-B12A-0B86AB4D9403}" type="datetimeFigureOut">
               <a:rPr lang="zh-CN" altLang="en-US" smtClean="0"/>
-              <a:t>2023/8/11</a:t>
+              <a:t>2023/9/29</a:t>
             </a:fld>
             <a:endParaRPr lang="zh-CN" altLang="en-US"/>
           </a:p>
@@ -1404,7 +1404,7 @@
           <a:p>
             <a:fld id="{284A7B5E-02A5-4EC8-B12A-0B86AB4D9403}" type="datetimeFigureOut">
               <a:rPr lang="zh-CN" altLang="en-US" smtClean="0"/>
-              <a:t>2023/8/11</a:t>
+              <a:t>2023/9/29</a:t>
             </a:fld>
             <a:endParaRPr lang="zh-CN" altLang="en-US"/>
           </a:p>
@@ -1816,7 +1816,7 @@
           <a:p>
             <a:fld id="{284A7B5E-02A5-4EC8-B12A-0B86AB4D9403}" type="datetimeFigureOut">
               <a:rPr lang="zh-CN" altLang="en-US" smtClean="0"/>
-              <a:t>2023/8/11</a:t>
+              <a:t>2023/9/29</a:t>
             </a:fld>
             <a:endParaRPr lang="zh-CN" altLang="en-US"/>
           </a:p>
@@ -1957,7 +1957,7 @@
           <a:p>
             <a:fld id="{284A7B5E-02A5-4EC8-B12A-0B86AB4D9403}" type="datetimeFigureOut">
               <a:rPr lang="zh-CN" altLang="en-US" smtClean="0"/>
-              <a:t>2023/8/11</a:t>
+              <a:t>2023/9/29</a:t>
             </a:fld>
             <a:endParaRPr lang="zh-CN" altLang="en-US"/>
           </a:p>
@@ -2070,7 +2070,7 @@
           <a:p>
             <a:fld id="{284A7B5E-02A5-4EC8-B12A-0B86AB4D9403}" type="datetimeFigureOut">
               <a:rPr lang="zh-CN" altLang="en-US" smtClean="0"/>
-              <a:t>2023/8/11</a:t>
+              <a:t>2023/9/29</a:t>
             </a:fld>
             <a:endParaRPr lang="zh-CN" altLang="en-US"/>
           </a:p>
@@ -2381,7 +2381,7 @@
           <a:p>
             <a:fld id="{284A7B5E-02A5-4EC8-B12A-0B86AB4D9403}" type="datetimeFigureOut">
               <a:rPr lang="zh-CN" altLang="en-US" smtClean="0"/>
-              <a:t>2023/8/11</a:t>
+              <a:t>2023/9/29</a:t>
             </a:fld>
             <a:endParaRPr lang="zh-CN" altLang="en-US"/>
           </a:p>
@@ -2669,7 +2669,7 @@
           <a:p>
             <a:fld id="{284A7B5E-02A5-4EC8-B12A-0B86AB4D9403}" type="datetimeFigureOut">
               <a:rPr lang="zh-CN" altLang="en-US" smtClean="0"/>
-              <a:t>2023/8/11</a:t>
+              <a:t>2023/9/29</a:t>
             </a:fld>
             <a:endParaRPr lang="zh-CN" altLang="en-US"/>
           </a:p>
@@ -2910,7 +2910,7 @@
           <a:p>
             <a:fld id="{284A7B5E-02A5-4EC8-B12A-0B86AB4D9403}" type="datetimeFigureOut">
               <a:rPr lang="zh-CN" altLang="en-US" smtClean="0"/>
-              <a:t>2023/8/11</a:t>
+              <a:t>2023/9/29</a:t>
             </a:fld>
             <a:endParaRPr lang="zh-CN" altLang="en-US"/>
           </a:p>
@@ -4495,6 +4495,80 @@
           </a:p>
         </p:txBody>
       </p:sp>
+      <p:sp>
+        <p:nvSpPr>
+          <p:cNvPr id="18" name="矩形: 圆角 17">
+            <a:extLst>
+              <a:ext uri="{FF2B5EF4-FFF2-40B4-BE49-F238E27FC236}">
+                <a16:creationId xmlns:a16="http://schemas.microsoft.com/office/drawing/2014/main" id="{8AC96C48-E77B-F422-D7B9-CA38672C63C5}"/>
+              </a:ext>
+            </a:extLst>
+          </p:cNvPr>
+          <p:cNvSpPr/>
+          <p:nvPr/>
+        </p:nvSpPr>
+        <p:spPr>
+          <a:xfrm>
+            <a:off x="5970051" y="4928477"/>
+            <a:ext cx="2163384" cy="1929523"/>
+          </a:xfrm>
+          <a:prstGeom prst="roundRect">
+            <a:avLst/>
+          </a:prstGeom>
+          <a:gradFill flip="none" rotWithShape="1">
+            <a:gsLst>
+              <a:gs pos="0">
+                <a:srgbClr val="0000CC">
+                  <a:shade val="30000"/>
+                  <a:satMod val="115000"/>
+                </a:srgbClr>
+              </a:gs>
+              <a:gs pos="50000">
+                <a:srgbClr val="0000CC">
+                  <a:shade val="67500"/>
+                  <a:satMod val="115000"/>
+                </a:srgbClr>
+              </a:gs>
+              <a:gs pos="100000">
+                <a:srgbClr val="0000CC">
+                  <a:shade val="100000"/>
+                  <a:satMod val="115000"/>
+                </a:srgbClr>
+              </a:gs>
+            </a:gsLst>
+            <a:lin ang="13500000" scaled="1"/>
+            <a:tileRect/>
+          </a:gradFill>
+          <a:ln>
+            <a:noFill/>
+          </a:ln>
+        </p:spPr>
+        <p:style>
+          <a:lnRef idx="3">
+            <a:schemeClr val="lt1"/>
+          </a:lnRef>
+          <a:fillRef idx="1">
+            <a:schemeClr val="accent1"/>
+          </a:fillRef>
+          <a:effectRef idx="1">
+            <a:schemeClr val="accent1"/>
+          </a:effectRef>
+          <a:fontRef idx="minor">
+            <a:schemeClr val="lt1"/>
+          </a:fontRef>
+        </p:style>
+        <p:txBody>
+          <a:bodyPr rtlCol="0" anchor="ctr"/>
+          <a:lstStyle/>
+          <a:p>
+            <a:pPr algn="ctr"/>
+            <a:r>
+              <a:rPr lang="zh-CN" altLang="en-US" sz="6600" dirty="0"/>
+              <a:t>创意工坊</a:t>
+            </a:r>
+          </a:p>
+        </p:txBody>
+      </p:sp>
     </p:spTree>
     <p:extLst>
       <p:ext uri="{BB962C8B-B14F-4D97-AF65-F5344CB8AC3E}">
@@ -5644,6 +5718,63 @@
               <a:latin typeface="幼圆" panose="02010509060101010101" pitchFamily="49" charset="-122"/>
               <a:ea typeface="幼圆" panose="02010509060101010101" pitchFamily="49" charset="-122"/>
             </a:endParaRPr>
+          </a:p>
+        </p:txBody>
+      </p:sp>
+      <p:sp>
+        <p:nvSpPr>
+          <p:cNvPr id="3" name="矩形: 圆角 2">
+            <a:extLst>
+              <a:ext uri="{FF2B5EF4-FFF2-40B4-BE49-F238E27FC236}">
+                <a16:creationId xmlns:a16="http://schemas.microsoft.com/office/drawing/2014/main" id="{321096CD-F180-2293-95C3-1510178D8529}"/>
+              </a:ext>
+            </a:extLst>
+          </p:cNvPr>
+          <p:cNvSpPr/>
+          <p:nvPr/>
+        </p:nvSpPr>
+        <p:spPr>
+          <a:xfrm>
+            <a:off x="5970051" y="4928477"/>
+            <a:ext cx="2163384" cy="1929523"/>
+          </a:xfrm>
+          <a:prstGeom prst="roundRect">
+            <a:avLst/>
+          </a:prstGeom>
+          <a:noFill/>
+          <a:ln>
+            <a:solidFill>
+              <a:srgbClr val="0000C8"/>
+            </a:solidFill>
+          </a:ln>
+        </p:spPr>
+        <p:style>
+          <a:lnRef idx="3">
+            <a:schemeClr val="lt1"/>
+          </a:lnRef>
+          <a:fillRef idx="1">
+            <a:schemeClr val="accent1"/>
+          </a:fillRef>
+          <a:effectRef idx="1">
+            <a:schemeClr val="accent1"/>
+          </a:effectRef>
+          <a:fontRef idx="minor">
+            <a:schemeClr val="lt1"/>
+          </a:fontRef>
+        </p:style>
+        <p:txBody>
+          <a:bodyPr rtlCol="0" anchor="ctr"/>
+          <a:lstStyle/>
+          <a:p>
+            <a:pPr algn="ctr"/>
+            <a:r>
+              <a:rPr lang="zh-CN" altLang="en-US" sz="6600" dirty="0">
+                <a:solidFill>
+                  <a:srgbClr val="3A3A9E"/>
+                </a:solidFill>
+              </a:rPr>
+              <a:t>创意工坊</a:t>
+            </a:r>
           </a:p>
         </p:txBody>
       </p:sp>
